--- a/ppt 16-9/1440.被请赴羔羊的.pptx
+++ b/ppt 16-9/1440.被请赴羔羊的.pptx
@@ -129,7 +129,7 @@
           <p:cNvPr id="2" name="标题 1">
             <a:extLst>
               <a:ext uri="{FF2B5EF4-FFF2-40B4-BE49-F238E27FC236}">
-                <a16:creationId xmlns:a16="http://schemas.microsoft.com/office/drawing/2014/main" id="{58F419B6-AEE1-3383-17E6-8CE028587028}"/>
+                <a16:creationId xmlns:a16="http://schemas.microsoft.com/office/drawing/2014/main" id="{409F323E-CD0D-93B1-CB13-E64998A33F7C}"/>
               </a:ext>
             </a:extLst>
           </p:cNvPr>
@@ -166,7 +166,7 @@
           <p:cNvPr id="3" name="副标题 2">
             <a:extLst>
               <a:ext uri="{FF2B5EF4-FFF2-40B4-BE49-F238E27FC236}">
-                <a16:creationId xmlns:a16="http://schemas.microsoft.com/office/drawing/2014/main" id="{184F7428-04A9-2620-93D0-D546B4D25DDA}"/>
+                <a16:creationId xmlns:a16="http://schemas.microsoft.com/office/drawing/2014/main" id="{D4DF55A8-B818-A484-3D85-846801F384AC}"/>
               </a:ext>
             </a:extLst>
           </p:cNvPr>
@@ -236,7 +236,7 @@
           <p:cNvPr id="4" name="日期占位符 3">
             <a:extLst>
               <a:ext uri="{FF2B5EF4-FFF2-40B4-BE49-F238E27FC236}">
-                <a16:creationId xmlns:a16="http://schemas.microsoft.com/office/drawing/2014/main" id="{05D89C63-764B-701F-8906-5E19A1EF9D3E}"/>
+                <a16:creationId xmlns:a16="http://schemas.microsoft.com/office/drawing/2014/main" id="{52F02C23-9D91-A08F-1483-E6D6D95CF000}"/>
               </a:ext>
             </a:extLst>
           </p:cNvPr>
@@ -252,7 +252,7 @@
           <a:bodyPr/>
           <a:lstStyle/>
           <a:p>
-            <a:fld id="{DCFBAFF2-88C8-4A3D-8E6E-46CC9DD64584}" type="datetimeFigureOut">
+            <a:fld id="{D5694452-F9C1-4946-AC8C-716266932369}" type="datetimeFigureOut">
               <a:rPr lang="zh-CN" altLang="en-US" smtClean="0"/>
               <a:t>2024/3/10</a:t>
             </a:fld>
@@ -265,7 +265,7 @@
           <p:cNvPr id="5" name="页脚占位符 4">
             <a:extLst>
               <a:ext uri="{FF2B5EF4-FFF2-40B4-BE49-F238E27FC236}">
-                <a16:creationId xmlns:a16="http://schemas.microsoft.com/office/drawing/2014/main" id="{2CD683B1-313B-FCA2-CF74-4C00E36849C9}"/>
+                <a16:creationId xmlns:a16="http://schemas.microsoft.com/office/drawing/2014/main" id="{C0A81F4F-C1A1-4B5A-7948-AD663BF75946}"/>
               </a:ext>
             </a:extLst>
           </p:cNvPr>
@@ -290,7 +290,7 @@
           <p:cNvPr id="6" name="灯片编号占位符 5">
             <a:extLst>
               <a:ext uri="{FF2B5EF4-FFF2-40B4-BE49-F238E27FC236}">
-                <a16:creationId xmlns:a16="http://schemas.microsoft.com/office/drawing/2014/main" id="{CCA96963-F004-6A4B-53DA-BF05EFC95CBD}"/>
+                <a16:creationId xmlns:a16="http://schemas.microsoft.com/office/drawing/2014/main" id="{ABC33C2F-D7BD-948C-949A-3BA188FC28BB}"/>
               </a:ext>
             </a:extLst>
           </p:cNvPr>
@@ -306,7 +306,7 @@
           <a:bodyPr/>
           <a:lstStyle/>
           <a:p>
-            <a:fld id="{E77ADFFE-19D7-46D0-AB82-693CB95DD679}" type="slidenum">
+            <a:fld id="{2FFB35D0-1995-480F-B5F7-E21330FD6C26}" type="slidenum">
               <a:rPr lang="zh-CN" altLang="en-US" smtClean="0"/>
               <a:t>‹#›</a:t>
             </a:fld>
@@ -317,7 +317,7 @@
     </p:spTree>
     <p:extLst>
       <p:ext uri="{BB962C8B-B14F-4D97-AF65-F5344CB8AC3E}">
-        <p14:creationId xmlns:p14="http://schemas.microsoft.com/office/powerpoint/2010/main" val="782178935"/>
+        <p14:creationId xmlns:p14="http://schemas.microsoft.com/office/powerpoint/2010/main" val="4012694243"/>
       </p:ext>
     </p:extLst>
   </p:cSld>
@@ -349,7 +349,7 @@
           <p:cNvPr id="2" name="标题 1">
             <a:extLst>
               <a:ext uri="{FF2B5EF4-FFF2-40B4-BE49-F238E27FC236}">
-                <a16:creationId xmlns:a16="http://schemas.microsoft.com/office/drawing/2014/main" id="{4DFB37D2-5934-58C0-8E29-19F1ACAB1A8F}"/>
+                <a16:creationId xmlns:a16="http://schemas.microsoft.com/office/drawing/2014/main" id="{088BD97B-001C-6C32-570C-92F333FFA582}"/>
               </a:ext>
             </a:extLst>
           </p:cNvPr>
@@ -377,7 +377,7 @@
           <p:cNvPr id="3" name="竖排文字占位符 2">
             <a:extLst>
               <a:ext uri="{FF2B5EF4-FFF2-40B4-BE49-F238E27FC236}">
-                <a16:creationId xmlns:a16="http://schemas.microsoft.com/office/drawing/2014/main" id="{581D1099-12CE-1371-BFA8-58552208E85D}"/>
+                <a16:creationId xmlns:a16="http://schemas.microsoft.com/office/drawing/2014/main" id="{8E6B9D32-681D-AE66-17A2-31F618FB430E}"/>
               </a:ext>
             </a:extLst>
           </p:cNvPr>
@@ -434,7 +434,7 @@
           <p:cNvPr id="4" name="日期占位符 3">
             <a:extLst>
               <a:ext uri="{FF2B5EF4-FFF2-40B4-BE49-F238E27FC236}">
-                <a16:creationId xmlns:a16="http://schemas.microsoft.com/office/drawing/2014/main" id="{535812F1-B9EC-D93C-ED3F-7C314A66A482}"/>
+                <a16:creationId xmlns:a16="http://schemas.microsoft.com/office/drawing/2014/main" id="{FACFFF8F-48FB-C7A1-BD8F-116C7E554C9E}"/>
               </a:ext>
             </a:extLst>
           </p:cNvPr>
@@ -450,7 +450,7 @@
           <a:bodyPr/>
           <a:lstStyle/>
           <a:p>
-            <a:fld id="{DCFBAFF2-88C8-4A3D-8E6E-46CC9DD64584}" type="datetimeFigureOut">
+            <a:fld id="{D5694452-F9C1-4946-AC8C-716266932369}" type="datetimeFigureOut">
               <a:rPr lang="zh-CN" altLang="en-US" smtClean="0"/>
               <a:t>2024/3/10</a:t>
             </a:fld>
@@ -463,7 +463,7 @@
           <p:cNvPr id="5" name="页脚占位符 4">
             <a:extLst>
               <a:ext uri="{FF2B5EF4-FFF2-40B4-BE49-F238E27FC236}">
-                <a16:creationId xmlns:a16="http://schemas.microsoft.com/office/drawing/2014/main" id="{BC6E66A0-9783-3834-06CD-44E1B5226FB3}"/>
+                <a16:creationId xmlns:a16="http://schemas.microsoft.com/office/drawing/2014/main" id="{1762B5DF-BCAD-D1B2-0563-5D1718271EA1}"/>
               </a:ext>
             </a:extLst>
           </p:cNvPr>
@@ -488,7 +488,7 @@
           <p:cNvPr id="6" name="灯片编号占位符 5">
             <a:extLst>
               <a:ext uri="{FF2B5EF4-FFF2-40B4-BE49-F238E27FC236}">
-                <a16:creationId xmlns:a16="http://schemas.microsoft.com/office/drawing/2014/main" id="{B3130423-3EF7-D762-0F3C-E0BCD9A45E65}"/>
+                <a16:creationId xmlns:a16="http://schemas.microsoft.com/office/drawing/2014/main" id="{0B456334-D234-1D3C-FD5A-9FF75A6E8C20}"/>
               </a:ext>
             </a:extLst>
           </p:cNvPr>
@@ -504,7 +504,7 @@
           <a:bodyPr/>
           <a:lstStyle/>
           <a:p>
-            <a:fld id="{E77ADFFE-19D7-46D0-AB82-693CB95DD679}" type="slidenum">
+            <a:fld id="{2FFB35D0-1995-480F-B5F7-E21330FD6C26}" type="slidenum">
               <a:rPr lang="zh-CN" altLang="en-US" smtClean="0"/>
               <a:t>‹#›</a:t>
             </a:fld>
@@ -515,7 +515,7 @@
     </p:spTree>
     <p:extLst>
       <p:ext uri="{BB962C8B-B14F-4D97-AF65-F5344CB8AC3E}">
-        <p14:creationId xmlns:p14="http://schemas.microsoft.com/office/powerpoint/2010/main" val="1913975398"/>
+        <p14:creationId xmlns:p14="http://schemas.microsoft.com/office/powerpoint/2010/main" val="407364122"/>
       </p:ext>
     </p:extLst>
   </p:cSld>
@@ -547,7 +547,7 @@
           <p:cNvPr id="2" name="竖排标题 1">
             <a:extLst>
               <a:ext uri="{FF2B5EF4-FFF2-40B4-BE49-F238E27FC236}">
-                <a16:creationId xmlns:a16="http://schemas.microsoft.com/office/drawing/2014/main" id="{EEF4DD10-FB5C-486B-9F97-5C7B24DAEF6E}"/>
+                <a16:creationId xmlns:a16="http://schemas.microsoft.com/office/drawing/2014/main" id="{22018B9A-4507-991F-A1F2-DD1BD6D1A5AC}"/>
               </a:ext>
             </a:extLst>
           </p:cNvPr>
@@ -580,7 +580,7 @@
           <p:cNvPr id="3" name="竖排文字占位符 2">
             <a:extLst>
               <a:ext uri="{FF2B5EF4-FFF2-40B4-BE49-F238E27FC236}">
-                <a16:creationId xmlns:a16="http://schemas.microsoft.com/office/drawing/2014/main" id="{4661BF6C-DC26-F998-DB5D-C56E048559FD}"/>
+                <a16:creationId xmlns:a16="http://schemas.microsoft.com/office/drawing/2014/main" id="{C2DD75A4-DB6F-F3E7-A255-78DA54A6EC96}"/>
               </a:ext>
             </a:extLst>
           </p:cNvPr>
@@ -642,7 +642,7 @@
           <p:cNvPr id="4" name="日期占位符 3">
             <a:extLst>
               <a:ext uri="{FF2B5EF4-FFF2-40B4-BE49-F238E27FC236}">
-                <a16:creationId xmlns:a16="http://schemas.microsoft.com/office/drawing/2014/main" id="{9F912D3B-885D-0404-431F-EA278E616C53}"/>
+                <a16:creationId xmlns:a16="http://schemas.microsoft.com/office/drawing/2014/main" id="{BB370E7E-F9E1-137C-5F97-4DCE60119224}"/>
               </a:ext>
             </a:extLst>
           </p:cNvPr>
@@ -658,7 +658,7 @@
           <a:bodyPr/>
           <a:lstStyle/>
           <a:p>
-            <a:fld id="{DCFBAFF2-88C8-4A3D-8E6E-46CC9DD64584}" type="datetimeFigureOut">
+            <a:fld id="{D5694452-F9C1-4946-AC8C-716266932369}" type="datetimeFigureOut">
               <a:rPr lang="zh-CN" altLang="en-US" smtClean="0"/>
               <a:t>2024/3/10</a:t>
             </a:fld>
@@ -671,7 +671,7 @@
           <p:cNvPr id="5" name="页脚占位符 4">
             <a:extLst>
               <a:ext uri="{FF2B5EF4-FFF2-40B4-BE49-F238E27FC236}">
-                <a16:creationId xmlns:a16="http://schemas.microsoft.com/office/drawing/2014/main" id="{C69D8B13-2C45-F90A-5798-1B81DFF75E77}"/>
+                <a16:creationId xmlns:a16="http://schemas.microsoft.com/office/drawing/2014/main" id="{6EAC97AD-8DB2-1229-2620-5C88675AD0EE}"/>
               </a:ext>
             </a:extLst>
           </p:cNvPr>
@@ -696,7 +696,7 @@
           <p:cNvPr id="6" name="灯片编号占位符 5">
             <a:extLst>
               <a:ext uri="{FF2B5EF4-FFF2-40B4-BE49-F238E27FC236}">
-                <a16:creationId xmlns:a16="http://schemas.microsoft.com/office/drawing/2014/main" id="{DA6D4DD4-0033-D469-443F-2C3ACB150722}"/>
+                <a16:creationId xmlns:a16="http://schemas.microsoft.com/office/drawing/2014/main" id="{6E3C32C5-F1A3-EB08-1B01-63E7179ECB2A}"/>
               </a:ext>
             </a:extLst>
           </p:cNvPr>
@@ -712,7 +712,7 @@
           <a:bodyPr/>
           <a:lstStyle/>
           <a:p>
-            <a:fld id="{E77ADFFE-19D7-46D0-AB82-693CB95DD679}" type="slidenum">
+            <a:fld id="{2FFB35D0-1995-480F-B5F7-E21330FD6C26}" type="slidenum">
               <a:rPr lang="zh-CN" altLang="en-US" smtClean="0"/>
               <a:t>‹#›</a:t>
             </a:fld>
@@ -723,7 +723,7 @@
     </p:spTree>
     <p:extLst>
       <p:ext uri="{BB962C8B-B14F-4D97-AF65-F5344CB8AC3E}">
-        <p14:creationId xmlns:p14="http://schemas.microsoft.com/office/powerpoint/2010/main" val="4120429369"/>
+        <p14:creationId xmlns:p14="http://schemas.microsoft.com/office/powerpoint/2010/main" val="3486955201"/>
       </p:ext>
     </p:extLst>
   </p:cSld>
@@ -755,7 +755,7 @@
           <p:cNvPr id="2" name="标题 1">
             <a:extLst>
               <a:ext uri="{FF2B5EF4-FFF2-40B4-BE49-F238E27FC236}">
-                <a16:creationId xmlns:a16="http://schemas.microsoft.com/office/drawing/2014/main" id="{A683D482-7192-9F22-6885-21AD581F4513}"/>
+                <a16:creationId xmlns:a16="http://schemas.microsoft.com/office/drawing/2014/main" id="{6B93743F-24C5-5ADF-9326-DD02AF4192C6}"/>
               </a:ext>
             </a:extLst>
           </p:cNvPr>
@@ -783,7 +783,7 @@
           <p:cNvPr id="3" name="内容占位符 2">
             <a:extLst>
               <a:ext uri="{FF2B5EF4-FFF2-40B4-BE49-F238E27FC236}">
-                <a16:creationId xmlns:a16="http://schemas.microsoft.com/office/drawing/2014/main" id="{4A9789E6-0E62-10F1-DDE6-5D50FEB5BE26}"/>
+                <a16:creationId xmlns:a16="http://schemas.microsoft.com/office/drawing/2014/main" id="{D90AE3F4-4734-6438-7153-D9CA235453F6}"/>
               </a:ext>
             </a:extLst>
           </p:cNvPr>
@@ -840,7 +840,7 @@
           <p:cNvPr id="4" name="日期占位符 3">
             <a:extLst>
               <a:ext uri="{FF2B5EF4-FFF2-40B4-BE49-F238E27FC236}">
-                <a16:creationId xmlns:a16="http://schemas.microsoft.com/office/drawing/2014/main" id="{C9E8F5D8-FCD6-CB1D-47E3-874605A61AA8}"/>
+                <a16:creationId xmlns:a16="http://schemas.microsoft.com/office/drawing/2014/main" id="{3CB82B97-81B5-569D-C66C-7F27319A6592}"/>
               </a:ext>
             </a:extLst>
           </p:cNvPr>
@@ -856,7 +856,7 @@
           <a:bodyPr/>
           <a:lstStyle/>
           <a:p>
-            <a:fld id="{DCFBAFF2-88C8-4A3D-8E6E-46CC9DD64584}" type="datetimeFigureOut">
+            <a:fld id="{D5694452-F9C1-4946-AC8C-716266932369}" type="datetimeFigureOut">
               <a:rPr lang="zh-CN" altLang="en-US" smtClean="0"/>
               <a:t>2024/3/10</a:t>
             </a:fld>
@@ -869,7 +869,7 @@
           <p:cNvPr id="5" name="页脚占位符 4">
             <a:extLst>
               <a:ext uri="{FF2B5EF4-FFF2-40B4-BE49-F238E27FC236}">
-                <a16:creationId xmlns:a16="http://schemas.microsoft.com/office/drawing/2014/main" id="{34ED2477-8344-0229-C8BA-070BDDC2AD8A}"/>
+                <a16:creationId xmlns:a16="http://schemas.microsoft.com/office/drawing/2014/main" id="{F82B4F07-8387-49B9-587C-E108E41A84E0}"/>
               </a:ext>
             </a:extLst>
           </p:cNvPr>
@@ -894,7 +894,7 @@
           <p:cNvPr id="6" name="灯片编号占位符 5">
             <a:extLst>
               <a:ext uri="{FF2B5EF4-FFF2-40B4-BE49-F238E27FC236}">
-                <a16:creationId xmlns:a16="http://schemas.microsoft.com/office/drawing/2014/main" id="{535D6E67-017F-4C3E-75F7-9CDA6E984B5F}"/>
+                <a16:creationId xmlns:a16="http://schemas.microsoft.com/office/drawing/2014/main" id="{E000D169-0DE8-3C0F-56E6-C4D5EB356E7B}"/>
               </a:ext>
             </a:extLst>
           </p:cNvPr>
@@ -910,7 +910,7 @@
           <a:bodyPr/>
           <a:lstStyle/>
           <a:p>
-            <a:fld id="{E77ADFFE-19D7-46D0-AB82-693CB95DD679}" type="slidenum">
+            <a:fld id="{2FFB35D0-1995-480F-B5F7-E21330FD6C26}" type="slidenum">
               <a:rPr lang="zh-CN" altLang="en-US" smtClean="0"/>
               <a:t>‹#›</a:t>
             </a:fld>
@@ -921,7 +921,7 @@
     </p:spTree>
     <p:extLst>
       <p:ext uri="{BB962C8B-B14F-4D97-AF65-F5344CB8AC3E}">
-        <p14:creationId xmlns:p14="http://schemas.microsoft.com/office/powerpoint/2010/main" val="3141363220"/>
+        <p14:creationId xmlns:p14="http://schemas.microsoft.com/office/powerpoint/2010/main" val="1895855571"/>
       </p:ext>
     </p:extLst>
   </p:cSld>
@@ -953,7 +953,7 @@
           <p:cNvPr id="2" name="标题 1">
             <a:extLst>
               <a:ext uri="{FF2B5EF4-FFF2-40B4-BE49-F238E27FC236}">
-                <a16:creationId xmlns:a16="http://schemas.microsoft.com/office/drawing/2014/main" id="{D39D9AF1-FF9F-8D6F-AD2D-661C6404B1AE}"/>
+                <a16:creationId xmlns:a16="http://schemas.microsoft.com/office/drawing/2014/main" id="{294D9620-8562-F82E-EAE9-00515B97D9D3}"/>
               </a:ext>
             </a:extLst>
           </p:cNvPr>
@@ -990,7 +990,7 @@
           <p:cNvPr id="3" name="文本占位符 2">
             <a:extLst>
               <a:ext uri="{FF2B5EF4-FFF2-40B4-BE49-F238E27FC236}">
-                <a16:creationId xmlns:a16="http://schemas.microsoft.com/office/drawing/2014/main" id="{7B93910A-6AF2-76A8-7BCF-D547BF74BA61}"/>
+                <a16:creationId xmlns:a16="http://schemas.microsoft.com/office/drawing/2014/main" id="{1CEF1195-E2D0-BD37-21E6-0CA96BC5B8C8}"/>
               </a:ext>
             </a:extLst>
           </p:cNvPr>
@@ -1115,7 +1115,7 @@
           <p:cNvPr id="4" name="日期占位符 3">
             <a:extLst>
               <a:ext uri="{FF2B5EF4-FFF2-40B4-BE49-F238E27FC236}">
-                <a16:creationId xmlns:a16="http://schemas.microsoft.com/office/drawing/2014/main" id="{5BA262FD-AEAC-873D-7201-377ED151600F}"/>
+                <a16:creationId xmlns:a16="http://schemas.microsoft.com/office/drawing/2014/main" id="{EE319FD8-CA42-610B-5DE2-541733F51274}"/>
               </a:ext>
             </a:extLst>
           </p:cNvPr>
@@ -1131,7 +1131,7 @@
           <a:bodyPr/>
           <a:lstStyle/>
           <a:p>
-            <a:fld id="{DCFBAFF2-88C8-4A3D-8E6E-46CC9DD64584}" type="datetimeFigureOut">
+            <a:fld id="{D5694452-F9C1-4946-AC8C-716266932369}" type="datetimeFigureOut">
               <a:rPr lang="zh-CN" altLang="en-US" smtClean="0"/>
               <a:t>2024/3/10</a:t>
             </a:fld>
@@ -1144,7 +1144,7 @@
           <p:cNvPr id="5" name="页脚占位符 4">
             <a:extLst>
               <a:ext uri="{FF2B5EF4-FFF2-40B4-BE49-F238E27FC236}">
-                <a16:creationId xmlns:a16="http://schemas.microsoft.com/office/drawing/2014/main" id="{231EF436-D05C-905F-5BB0-C0A1198BCE29}"/>
+                <a16:creationId xmlns:a16="http://schemas.microsoft.com/office/drawing/2014/main" id="{C6BF740A-1C01-2BA7-0291-A0F9A9BEC828}"/>
               </a:ext>
             </a:extLst>
           </p:cNvPr>
@@ -1169,7 +1169,7 @@
           <p:cNvPr id="6" name="灯片编号占位符 5">
             <a:extLst>
               <a:ext uri="{FF2B5EF4-FFF2-40B4-BE49-F238E27FC236}">
-                <a16:creationId xmlns:a16="http://schemas.microsoft.com/office/drawing/2014/main" id="{0C85477D-A918-238D-2833-B3E68409CB65}"/>
+                <a16:creationId xmlns:a16="http://schemas.microsoft.com/office/drawing/2014/main" id="{23838284-F8E6-31CA-CBA2-1EF9574D4FB3}"/>
               </a:ext>
             </a:extLst>
           </p:cNvPr>
@@ -1185,7 +1185,7 @@
           <a:bodyPr/>
           <a:lstStyle/>
           <a:p>
-            <a:fld id="{E77ADFFE-19D7-46D0-AB82-693CB95DD679}" type="slidenum">
+            <a:fld id="{2FFB35D0-1995-480F-B5F7-E21330FD6C26}" type="slidenum">
               <a:rPr lang="zh-CN" altLang="en-US" smtClean="0"/>
               <a:t>‹#›</a:t>
             </a:fld>
@@ -1196,7 +1196,7 @@
     </p:spTree>
     <p:extLst>
       <p:ext uri="{BB962C8B-B14F-4D97-AF65-F5344CB8AC3E}">
-        <p14:creationId xmlns:p14="http://schemas.microsoft.com/office/powerpoint/2010/main" val="1660865838"/>
+        <p14:creationId xmlns:p14="http://schemas.microsoft.com/office/powerpoint/2010/main" val="532740194"/>
       </p:ext>
     </p:extLst>
   </p:cSld>
@@ -1228,7 +1228,7 @@
           <p:cNvPr id="2" name="标题 1">
             <a:extLst>
               <a:ext uri="{FF2B5EF4-FFF2-40B4-BE49-F238E27FC236}">
-                <a16:creationId xmlns:a16="http://schemas.microsoft.com/office/drawing/2014/main" id="{4425060C-51BA-5D25-0B35-69DFCD803B6C}"/>
+                <a16:creationId xmlns:a16="http://schemas.microsoft.com/office/drawing/2014/main" id="{BDC807E6-2DE9-E1B8-688E-AFF5F64F3A66}"/>
               </a:ext>
             </a:extLst>
           </p:cNvPr>
@@ -1256,7 +1256,7 @@
           <p:cNvPr id="3" name="内容占位符 2">
             <a:extLst>
               <a:ext uri="{FF2B5EF4-FFF2-40B4-BE49-F238E27FC236}">
-                <a16:creationId xmlns:a16="http://schemas.microsoft.com/office/drawing/2014/main" id="{FCE2A1C6-90C4-0407-8B87-5D3835C46289}"/>
+                <a16:creationId xmlns:a16="http://schemas.microsoft.com/office/drawing/2014/main" id="{9B0D1B37-8246-3035-5AE1-199FB76A9C85}"/>
               </a:ext>
             </a:extLst>
           </p:cNvPr>
@@ -1318,7 +1318,7 @@
           <p:cNvPr id="4" name="内容占位符 3">
             <a:extLst>
               <a:ext uri="{FF2B5EF4-FFF2-40B4-BE49-F238E27FC236}">
-                <a16:creationId xmlns:a16="http://schemas.microsoft.com/office/drawing/2014/main" id="{E3E16B6A-374F-FD56-942C-52F099470B3A}"/>
+                <a16:creationId xmlns:a16="http://schemas.microsoft.com/office/drawing/2014/main" id="{CE84F590-B2F4-AB55-E3B4-4012A3004AE4}"/>
               </a:ext>
             </a:extLst>
           </p:cNvPr>
@@ -1380,7 +1380,7 @@
           <p:cNvPr id="5" name="日期占位符 4">
             <a:extLst>
               <a:ext uri="{FF2B5EF4-FFF2-40B4-BE49-F238E27FC236}">
-                <a16:creationId xmlns:a16="http://schemas.microsoft.com/office/drawing/2014/main" id="{1F739F14-B88D-3DF2-F5F6-435060E4161A}"/>
+                <a16:creationId xmlns:a16="http://schemas.microsoft.com/office/drawing/2014/main" id="{AFBEEB4A-2236-F32D-F923-C76C4E240AD9}"/>
               </a:ext>
             </a:extLst>
           </p:cNvPr>
@@ -1396,7 +1396,7 @@
           <a:bodyPr/>
           <a:lstStyle/>
           <a:p>
-            <a:fld id="{DCFBAFF2-88C8-4A3D-8E6E-46CC9DD64584}" type="datetimeFigureOut">
+            <a:fld id="{D5694452-F9C1-4946-AC8C-716266932369}" type="datetimeFigureOut">
               <a:rPr lang="zh-CN" altLang="en-US" smtClean="0"/>
               <a:t>2024/3/10</a:t>
             </a:fld>
@@ -1409,7 +1409,7 @@
           <p:cNvPr id="6" name="页脚占位符 5">
             <a:extLst>
               <a:ext uri="{FF2B5EF4-FFF2-40B4-BE49-F238E27FC236}">
-                <a16:creationId xmlns:a16="http://schemas.microsoft.com/office/drawing/2014/main" id="{38832227-5E00-0A8E-3A19-BD3DD26C8899}"/>
+                <a16:creationId xmlns:a16="http://schemas.microsoft.com/office/drawing/2014/main" id="{53E0F407-B66E-0F71-E249-FF35B91455D8}"/>
               </a:ext>
             </a:extLst>
           </p:cNvPr>
@@ -1434,7 +1434,7 @@
           <p:cNvPr id="7" name="灯片编号占位符 6">
             <a:extLst>
               <a:ext uri="{FF2B5EF4-FFF2-40B4-BE49-F238E27FC236}">
-                <a16:creationId xmlns:a16="http://schemas.microsoft.com/office/drawing/2014/main" id="{2F63B889-501D-2DBD-6753-BE596D61D9D2}"/>
+                <a16:creationId xmlns:a16="http://schemas.microsoft.com/office/drawing/2014/main" id="{3951FD4B-5C5B-7F37-8CD1-64DDD18F5621}"/>
               </a:ext>
             </a:extLst>
           </p:cNvPr>
@@ -1450,7 +1450,7 @@
           <a:bodyPr/>
           <a:lstStyle/>
           <a:p>
-            <a:fld id="{E77ADFFE-19D7-46D0-AB82-693CB95DD679}" type="slidenum">
+            <a:fld id="{2FFB35D0-1995-480F-B5F7-E21330FD6C26}" type="slidenum">
               <a:rPr lang="zh-CN" altLang="en-US" smtClean="0"/>
               <a:t>‹#›</a:t>
             </a:fld>
@@ -1461,7 +1461,7 @@
     </p:spTree>
     <p:extLst>
       <p:ext uri="{BB962C8B-B14F-4D97-AF65-F5344CB8AC3E}">
-        <p14:creationId xmlns:p14="http://schemas.microsoft.com/office/powerpoint/2010/main" val="1761223555"/>
+        <p14:creationId xmlns:p14="http://schemas.microsoft.com/office/powerpoint/2010/main" val="3972682035"/>
       </p:ext>
     </p:extLst>
   </p:cSld>
@@ -1493,7 +1493,7 @@
           <p:cNvPr id="2" name="标题 1">
             <a:extLst>
               <a:ext uri="{FF2B5EF4-FFF2-40B4-BE49-F238E27FC236}">
-                <a16:creationId xmlns:a16="http://schemas.microsoft.com/office/drawing/2014/main" id="{AAAE2F5E-E9AC-8D4F-987C-EE40AB64B688}"/>
+                <a16:creationId xmlns:a16="http://schemas.microsoft.com/office/drawing/2014/main" id="{957F825E-B740-D182-FBE0-F1F34D64C43B}"/>
               </a:ext>
             </a:extLst>
           </p:cNvPr>
@@ -1526,7 +1526,7 @@
           <p:cNvPr id="3" name="文本占位符 2">
             <a:extLst>
               <a:ext uri="{FF2B5EF4-FFF2-40B4-BE49-F238E27FC236}">
-                <a16:creationId xmlns:a16="http://schemas.microsoft.com/office/drawing/2014/main" id="{EA111AE1-02E3-0B00-2F7E-5F51ED17E59E}"/>
+                <a16:creationId xmlns:a16="http://schemas.microsoft.com/office/drawing/2014/main" id="{7F02CAB1-A54D-A12E-4D3E-EF4DA0B66A8C}"/>
               </a:ext>
             </a:extLst>
           </p:cNvPr>
@@ -1597,7 +1597,7 @@
           <p:cNvPr id="4" name="内容占位符 3">
             <a:extLst>
               <a:ext uri="{FF2B5EF4-FFF2-40B4-BE49-F238E27FC236}">
-                <a16:creationId xmlns:a16="http://schemas.microsoft.com/office/drawing/2014/main" id="{586DCFE9-5429-A08D-6A0C-BB66D8A0455E}"/>
+                <a16:creationId xmlns:a16="http://schemas.microsoft.com/office/drawing/2014/main" id="{B5456FA0-9A4D-3D58-0B71-E3CA07B2F0E1}"/>
               </a:ext>
             </a:extLst>
           </p:cNvPr>
@@ -1659,7 +1659,7 @@
           <p:cNvPr id="5" name="文本占位符 4">
             <a:extLst>
               <a:ext uri="{FF2B5EF4-FFF2-40B4-BE49-F238E27FC236}">
-                <a16:creationId xmlns:a16="http://schemas.microsoft.com/office/drawing/2014/main" id="{D946005A-7864-9E1B-4AEA-E3B7566A8114}"/>
+                <a16:creationId xmlns:a16="http://schemas.microsoft.com/office/drawing/2014/main" id="{C330072F-133D-B63B-1717-B0B1A1FBEA8E}"/>
               </a:ext>
             </a:extLst>
           </p:cNvPr>
@@ -1730,7 +1730,7 @@
           <p:cNvPr id="6" name="内容占位符 5">
             <a:extLst>
               <a:ext uri="{FF2B5EF4-FFF2-40B4-BE49-F238E27FC236}">
-                <a16:creationId xmlns:a16="http://schemas.microsoft.com/office/drawing/2014/main" id="{9103E622-10EC-9ED0-2375-71B107FBBF6B}"/>
+                <a16:creationId xmlns:a16="http://schemas.microsoft.com/office/drawing/2014/main" id="{AA0D417E-45AD-BAE5-3A2F-9596A4ABDFA7}"/>
               </a:ext>
             </a:extLst>
           </p:cNvPr>
@@ -1792,7 +1792,7 @@
           <p:cNvPr id="7" name="日期占位符 6">
             <a:extLst>
               <a:ext uri="{FF2B5EF4-FFF2-40B4-BE49-F238E27FC236}">
-                <a16:creationId xmlns:a16="http://schemas.microsoft.com/office/drawing/2014/main" id="{38E1A74F-B3E1-544B-0296-636C4ABA0D17}"/>
+                <a16:creationId xmlns:a16="http://schemas.microsoft.com/office/drawing/2014/main" id="{EBEE15E2-3AAE-D6DC-6460-EAE40FBD323F}"/>
               </a:ext>
             </a:extLst>
           </p:cNvPr>
@@ -1808,7 +1808,7 @@
           <a:bodyPr/>
           <a:lstStyle/>
           <a:p>
-            <a:fld id="{DCFBAFF2-88C8-4A3D-8E6E-46CC9DD64584}" type="datetimeFigureOut">
+            <a:fld id="{D5694452-F9C1-4946-AC8C-716266932369}" type="datetimeFigureOut">
               <a:rPr lang="zh-CN" altLang="en-US" smtClean="0"/>
               <a:t>2024/3/10</a:t>
             </a:fld>
@@ -1821,7 +1821,7 @@
           <p:cNvPr id="8" name="页脚占位符 7">
             <a:extLst>
               <a:ext uri="{FF2B5EF4-FFF2-40B4-BE49-F238E27FC236}">
-                <a16:creationId xmlns:a16="http://schemas.microsoft.com/office/drawing/2014/main" id="{3C9C69D1-F4FA-90BA-8262-92F1BAAB873F}"/>
+                <a16:creationId xmlns:a16="http://schemas.microsoft.com/office/drawing/2014/main" id="{E67953BD-A020-6407-0DED-172C9C2AF07F}"/>
               </a:ext>
             </a:extLst>
           </p:cNvPr>
@@ -1846,7 +1846,7 @@
           <p:cNvPr id="9" name="灯片编号占位符 8">
             <a:extLst>
               <a:ext uri="{FF2B5EF4-FFF2-40B4-BE49-F238E27FC236}">
-                <a16:creationId xmlns:a16="http://schemas.microsoft.com/office/drawing/2014/main" id="{D1DD0A87-8FCE-4980-3627-AD6826A636C5}"/>
+                <a16:creationId xmlns:a16="http://schemas.microsoft.com/office/drawing/2014/main" id="{87956955-C0F9-A2DB-A5D4-32BD5D3B2F7D}"/>
               </a:ext>
             </a:extLst>
           </p:cNvPr>
@@ -1862,7 +1862,7 @@
           <a:bodyPr/>
           <a:lstStyle/>
           <a:p>
-            <a:fld id="{E77ADFFE-19D7-46D0-AB82-693CB95DD679}" type="slidenum">
+            <a:fld id="{2FFB35D0-1995-480F-B5F7-E21330FD6C26}" type="slidenum">
               <a:rPr lang="zh-CN" altLang="en-US" smtClean="0"/>
               <a:t>‹#›</a:t>
             </a:fld>
@@ -1873,7 +1873,7 @@
     </p:spTree>
     <p:extLst>
       <p:ext uri="{BB962C8B-B14F-4D97-AF65-F5344CB8AC3E}">
-        <p14:creationId xmlns:p14="http://schemas.microsoft.com/office/powerpoint/2010/main" val="3462997995"/>
+        <p14:creationId xmlns:p14="http://schemas.microsoft.com/office/powerpoint/2010/main" val="2359158067"/>
       </p:ext>
     </p:extLst>
   </p:cSld>
@@ -1905,7 +1905,7 @@
           <p:cNvPr id="2" name="标题 1">
             <a:extLst>
               <a:ext uri="{FF2B5EF4-FFF2-40B4-BE49-F238E27FC236}">
-                <a16:creationId xmlns:a16="http://schemas.microsoft.com/office/drawing/2014/main" id="{DCBB70FA-4EC8-B48A-C500-C4C52239004A}"/>
+                <a16:creationId xmlns:a16="http://schemas.microsoft.com/office/drawing/2014/main" id="{94E2A2D1-A362-8198-E472-23D02FB59817}"/>
               </a:ext>
             </a:extLst>
           </p:cNvPr>
@@ -1933,7 +1933,7 @@
           <p:cNvPr id="3" name="日期占位符 2">
             <a:extLst>
               <a:ext uri="{FF2B5EF4-FFF2-40B4-BE49-F238E27FC236}">
-                <a16:creationId xmlns:a16="http://schemas.microsoft.com/office/drawing/2014/main" id="{B894342D-D843-A53F-638C-74CB34D18035}"/>
+                <a16:creationId xmlns:a16="http://schemas.microsoft.com/office/drawing/2014/main" id="{D5059320-BEE3-6DA5-BACB-D02D7D52720A}"/>
               </a:ext>
             </a:extLst>
           </p:cNvPr>
@@ -1949,7 +1949,7 @@
           <a:bodyPr/>
           <a:lstStyle/>
           <a:p>
-            <a:fld id="{DCFBAFF2-88C8-4A3D-8E6E-46CC9DD64584}" type="datetimeFigureOut">
+            <a:fld id="{D5694452-F9C1-4946-AC8C-716266932369}" type="datetimeFigureOut">
               <a:rPr lang="zh-CN" altLang="en-US" smtClean="0"/>
               <a:t>2024/3/10</a:t>
             </a:fld>
@@ -1962,7 +1962,7 @@
           <p:cNvPr id="4" name="页脚占位符 3">
             <a:extLst>
               <a:ext uri="{FF2B5EF4-FFF2-40B4-BE49-F238E27FC236}">
-                <a16:creationId xmlns:a16="http://schemas.microsoft.com/office/drawing/2014/main" id="{CB1DA4FD-55E6-8AEC-F863-EFD979A52CD2}"/>
+                <a16:creationId xmlns:a16="http://schemas.microsoft.com/office/drawing/2014/main" id="{EB6CFD8E-E2D4-A25D-86F4-70FD494E9969}"/>
               </a:ext>
             </a:extLst>
           </p:cNvPr>
@@ -1987,7 +1987,7 @@
           <p:cNvPr id="5" name="灯片编号占位符 4">
             <a:extLst>
               <a:ext uri="{FF2B5EF4-FFF2-40B4-BE49-F238E27FC236}">
-                <a16:creationId xmlns:a16="http://schemas.microsoft.com/office/drawing/2014/main" id="{371E230F-74F6-56F6-89F6-AB10370DE4C0}"/>
+                <a16:creationId xmlns:a16="http://schemas.microsoft.com/office/drawing/2014/main" id="{43EB8E52-9607-7234-84F9-4B0BE1E88702}"/>
               </a:ext>
             </a:extLst>
           </p:cNvPr>
@@ -2003,7 +2003,7 @@
           <a:bodyPr/>
           <a:lstStyle/>
           <a:p>
-            <a:fld id="{E77ADFFE-19D7-46D0-AB82-693CB95DD679}" type="slidenum">
+            <a:fld id="{2FFB35D0-1995-480F-B5F7-E21330FD6C26}" type="slidenum">
               <a:rPr lang="zh-CN" altLang="en-US" smtClean="0"/>
               <a:t>‹#›</a:t>
             </a:fld>
@@ -2014,7 +2014,7 @@
     </p:spTree>
     <p:extLst>
       <p:ext uri="{BB962C8B-B14F-4D97-AF65-F5344CB8AC3E}">
-        <p14:creationId xmlns:p14="http://schemas.microsoft.com/office/powerpoint/2010/main" val="4110814236"/>
+        <p14:creationId xmlns:p14="http://schemas.microsoft.com/office/powerpoint/2010/main" val="3347086187"/>
       </p:ext>
     </p:extLst>
   </p:cSld>
@@ -2046,7 +2046,7 @@
           <p:cNvPr id="2" name="日期占位符 1">
             <a:extLst>
               <a:ext uri="{FF2B5EF4-FFF2-40B4-BE49-F238E27FC236}">
-                <a16:creationId xmlns:a16="http://schemas.microsoft.com/office/drawing/2014/main" id="{AB667A2D-1C45-D1B7-93CC-0213D7CE3020}"/>
+                <a16:creationId xmlns:a16="http://schemas.microsoft.com/office/drawing/2014/main" id="{564BB073-A657-C7E9-D0EA-1AE29E34D0E9}"/>
               </a:ext>
             </a:extLst>
           </p:cNvPr>
@@ -2062,7 +2062,7 @@
           <a:bodyPr/>
           <a:lstStyle/>
           <a:p>
-            <a:fld id="{DCFBAFF2-88C8-4A3D-8E6E-46CC9DD64584}" type="datetimeFigureOut">
+            <a:fld id="{D5694452-F9C1-4946-AC8C-716266932369}" type="datetimeFigureOut">
               <a:rPr lang="zh-CN" altLang="en-US" smtClean="0"/>
               <a:t>2024/3/10</a:t>
             </a:fld>
@@ -2075,7 +2075,7 @@
           <p:cNvPr id="3" name="页脚占位符 2">
             <a:extLst>
               <a:ext uri="{FF2B5EF4-FFF2-40B4-BE49-F238E27FC236}">
-                <a16:creationId xmlns:a16="http://schemas.microsoft.com/office/drawing/2014/main" id="{AE88EE2A-08E1-C722-358E-BA4B8F0B6A5E}"/>
+                <a16:creationId xmlns:a16="http://schemas.microsoft.com/office/drawing/2014/main" id="{D0B38729-D5B7-E716-AC8C-2C8368E029A6}"/>
               </a:ext>
             </a:extLst>
           </p:cNvPr>
@@ -2100,7 +2100,7 @@
           <p:cNvPr id="4" name="灯片编号占位符 3">
             <a:extLst>
               <a:ext uri="{FF2B5EF4-FFF2-40B4-BE49-F238E27FC236}">
-                <a16:creationId xmlns:a16="http://schemas.microsoft.com/office/drawing/2014/main" id="{88DA617A-4096-8B80-1FF7-FEE7D923A5F4}"/>
+                <a16:creationId xmlns:a16="http://schemas.microsoft.com/office/drawing/2014/main" id="{56BE3D40-7593-4E98-3EA3-D62A024B159E}"/>
               </a:ext>
             </a:extLst>
           </p:cNvPr>
@@ -2116,7 +2116,7 @@
           <a:bodyPr/>
           <a:lstStyle/>
           <a:p>
-            <a:fld id="{E77ADFFE-19D7-46D0-AB82-693CB95DD679}" type="slidenum">
+            <a:fld id="{2FFB35D0-1995-480F-B5F7-E21330FD6C26}" type="slidenum">
               <a:rPr lang="zh-CN" altLang="en-US" smtClean="0"/>
               <a:t>‹#›</a:t>
             </a:fld>
@@ -2127,7 +2127,7 @@
     </p:spTree>
     <p:extLst>
       <p:ext uri="{BB962C8B-B14F-4D97-AF65-F5344CB8AC3E}">
-        <p14:creationId xmlns:p14="http://schemas.microsoft.com/office/powerpoint/2010/main" val="4232386026"/>
+        <p14:creationId xmlns:p14="http://schemas.microsoft.com/office/powerpoint/2010/main" val="2740502995"/>
       </p:ext>
     </p:extLst>
   </p:cSld>
@@ -2159,7 +2159,7 @@
           <p:cNvPr id="2" name="标题 1">
             <a:extLst>
               <a:ext uri="{FF2B5EF4-FFF2-40B4-BE49-F238E27FC236}">
-                <a16:creationId xmlns:a16="http://schemas.microsoft.com/office/drawing/2014/main" id="{F920EF37-D178-FAB6-8850-0B61BCDDCE39}"/>
+                <a16:creationId xmlns:a16="http://schemas.microsoft.com/office/drawing/2014/main" id="{FC24A997-6877-7D40-2EA4-CE5E7E4AF9BD}"/>
               </a:ext>
             </a:extLst>
           </p:cNvPr>
@@ -2196,7 +2196,7 @@
           <p:cNvPr id="3" name="内容占位符 2">
             <a:extLst>
               <a:ext uri="{FF2B5EF4-FFF2-40B4-BE49-F238E27FC236}">
-                <a16:creationId xmlns:a16="http://schemas.microsoft.com/office/drawing/2014/main" id="{B8F84268-72D4-16E2-DA31-DF8432FEAA2F}"/>
+                <a16:creationId xmlns:a16="http://schemas.microsoft.com/office/drawing/2014/main" id="{AE2FB272-E2C0-D42D-FF6B-2C61D6CA4653}"/>
               </a:ext>
             </a:extLst>
           </p:cNvPr>
@@ -2286,7 +2286,7 @@
           <p:cNvPr id="4" name="文本占位符 3">
             <a:extLst>
               <a:ext uri="{FF2B5EF4-FFF2-40B4-BE49-F238E27FC236}">
-                <a16:creationId xmlns:a16="http://schemas.microsoft.com/office/drawing/2014/main" id="{C2D39980-B9E1-C1E5-2EE4-57F577680910}"/>
+                <a16:creationId xmlns:a16="http://schemas.microsoft.com/office/drawing/2014/main" id="{FDC73FCF-6E0F-722D-1498-97EFDD9A14E7}"/>
               </a:ext>
             </a:extLst>
           </p:cNvPr>
@@ -2357,7 +2357,7 @@
           <p:cNvPr id="5" name="日期占位符 4">
             <a:extLst>
               <a:ext uri="{FF2B5EF4-FFF2-40B4-BE49-F238E27FC236}">
-                <a16:creationId xmlns:a16="http://schemas.microsoft.com/office/drawing/2014/main" id="{3B662611-18C8-A746-68E9-6E1C67F5FAAA}"/>
+                <a16:creationId xmlns:a16="http://schemas.microsoft.com/office/drawing/2014/main" id="{9E118D36-64EB-34AB-B077-548BFC97516A}"/>
               </a:ext>
             </a:extLst>
           </p:cNvPr>
@@ -2373,7 +2373,7 @@
           <a:bodyPr/>
           <a:lstStyle/>
           <a:p>
-            <a:fld id="{DCFBAFF2-88C8-4A3D-8E6E-46CC9DD64584}" type="datetimeFigureOut">
+            <a:fld id="{D5694452-F9C1-4946-AC8C-716266932369}" type="datetimeFigureOut">
               <a:rPr lang="zh-CN" altLang="en-US" smtClean="0"/>
               <a:t>2024/3/10</a:t>
             </a:fld>
@@ -2386,7 +2386,7 @@
           <p:cNvPr id="6" name="页脚占位符 5">
             <a:extLst>
               <a:ext uri="{FF2B5EF4-FFF2-40B4-BE49-F238E27FC236}">
-                <a16:creationId xmlns:a16="http://schemas.microsoft.com/office/drawing/2014/main" id="{D41E2B82-627E-D17C-F9DE-E35DBC7920E0}"/>
+                <a16:creationId xmlns:a16="http://schemas.microsoft.com/office/drawing/2014/main" id="{8795D02E-C9DB-B872-3E49-A8C662AE3DF4}"/>
               </a:ext>
             </a:extLst>
           </p:cNvPr>
@@ -2411,7 +2411,7 @@
           <p:cNvPr id="7" name="灯片编号占位符 6">
             <a:extLst>
               <a:ext uri="{FF2B5EF4-FFF2-40B4-BE49-F238E27FC236}">
-                <a16:creationId xmlns:a16="http://schemas.microsoft.com/office/drawing/2014/main" id="{4C53D3F0-BFD5-11FD-8102-5170E8E954EE}"/>
+                <a16:creationId xmlns:a16="http://schemas.microsoft.com/office/drawing/2014/main" id="{CC35BEFE-9E4B-89AD-C824-0855B25DA32E}"/>
               </a:ext>
             </a:extLst>
           </p:cNvPr>
@@ -2427,7 +2427,7 @@
           <a:bodyPr/>
           <a:lstStyle/>
           <a:p>
-            <a:fld id="{E77ADFFE-19D7-46D0-AB82-693CB95DD679}" type="slidenum">
+            <a:fld id="{2FFB35D0-1995-480F-B5F7-E21330FD6C26}" type="slidenum">
               <a:rPr lang="zh-CN" altLang="en-US" smtClean="0"/>
               <a:t>‹#›</a:t>
             </a:fld>
@@ -2438,7 +2438,7 @@
     </p:spTree>
     <p:extLst>
       <p:ext uri="{BB962C8B-B14F-4D97-AF65-F5344CB8AC3E}">
-        <p14:creationId xmlns:p14="http://schemas.microsoft.com/office/powerpoint/2010/main" val="2268123960"/>
+        <p14:creationId xmlns:p14="http://schemas.microsoft.com/office/powerpoint/2010/main" val="85478425"/>
       </p:ext>
     </p:extLst>
   </p:cSld>
@@ -2470,7 +2470,7 @@
           <p:cNvPr id="2" name="标题 1">
             <a:extLst>
               <a:ext uri="{FF2B5EF4-FFF2-40B4-BE49-F238E27FC236}">
-                <a16:creationId xmlns:a16="http://schemas.microsoft.com/office/drawing/2014/main" id="{6ADE21EA-1BEF-1F57-D4B8-34AB4A4FB507}"/>
+                <a16:creationId xmlns:a16="http://schemas.microsoft.com/office/drawing/2014/main" id="{34B94258-6B7B-5814-C3D9-7774C4B320E4}"/>
               </a:ext>
             </a:extLst>
           </p:cNvPr>
@@ -2507,7 +2507,7 @@
           <p:cNvPr id="3" name="图片占位符 2">
             <a:extLst>
               <a:ext uri="{FF2B5EF4-FFF2-40B4-BE49-F238E27FC236}">
-                <a16:creationId xmlns:a16="http://schemas.microsoft.com/office/drawing/2014/main" id="{1352EC45-7BCD-C5C6-F8E3-722E55B39B12}"/>
+                <a16:creationId xmlns:a16="http://schemas.microsoft.com/office/drawing/2014/main" id="{8F589C67-4F90-205B-120A-4BB66F4D13C7}"/>
               </a:ext>
             </a:extLst>
           </p:cNvPr>
@@ -2574,7 +2574,7 @@
           <p:cNvPr id="4" name="文本占位符 3">
             <a:extLst>
               <a:ext uri="{FF2B5EF4-FFF2-40B4-BE49-F238E27FC236}">
-                <a16:creationId xmlns:a16="http://schemas.microsoft.com/office/drawing/2014/main" id="{E9E25F7D-53D4-7925-9F1F-CEDE94F1EF25}"/>
+                <a16:creationId xmlns:a16="http://schemas.microsoft.com/office/drawing/2014/main" id="{23B49CDF-65E2-5A57-F288-8C91E0C4C870}"/>
               </a:ext>
             </a:extLst>
           </p:cNvPr>
@@ -2645,7 +2645,7 @@
           <p:cNvPr id="5" name="日期占位符 4">
             <a:extLst>
               <a:ext uri="{FF2B5EF4-FFF2-40B4-BE49-F238E27FC236}">
-                <a16:creationId xmlns:a16="http://schemas.microsoft.com/office/drawing/2014/main" id="{502B87C3-5E25-C9CE-5FDC-1CF1BE303CA7}"/>
+                <a16:creationId xmlns:a16="http://schemas.microsoft.com/office/drawing/2014/main" id="{EFDECFFC-31FB-8F2D-0B42-D112CB5E43E0}"/>
               </a:ext>
             </a:extLst>
           </p:cNvPr>
@@ -2661,7 +2661,7 @@
           <a:bodyPr/>
           <a:lstStyle/>
           <a:p>
-            <a:fld id="{DCFBAFF2-88C8-4A3D-8E6E-46CC9DD64584}" type="datetimeFigureOut">
+            <a:fld id="{D5694452-F9C1-4946-AC8C-716266932369}" type="datetimeFigureOut">
               <a:rPr lang="zh-CN" altLang="en-US" smtClean="0"/>
               <a:t>2024/3/10</a:t>
             </a:fld>
@@ -2674,7 +2674,7 @@
           <p:cNvPr id="6" name="页脚占位符 5">
             <a:extLst>
               <a:ext uri="{FF2B5EF4-FFF2-40B4-BE49-F238E27FC236}">
-                <a16:creationId xmlns:a16="http://schemas.microsoft.com/office/drawing/2014/main" id="{482ACBA3-D3EB-0984-1830-66DB9EFC5269}"/>
+                <a16:creationId xmlns:a16="http://schemas.microsoft.com/office/drawing/2014/main" id="{DBFB6BC1-7E38-C16E-F8D7-954A703EC0B0}"/>
               </a:ext>
             </a:extLst>
           </p:cNvPr>
@@ -2699,7 +2699,7 @@
           <p:cNvPr id="7" name="灯片编号占位符 6">
             <a:extLst>
               <a:ext uri="{FF2B5EF4-FFF2-40B4-BE49-F238E27FC236}">
-                <a16:creationId xmlns:a16="http://schemas.microsoft.com/office/drawing/2014/main" id="{35DE88AB-FC2F-FA17-8E9F-E99DEC7D9121}"/>
+                <a16:creationId xmlns:a16="http://schemas.microsoft.com/office/drawing/2014/main" id="{7C2B6A46-5AA0-352A-AF0B-81ADBEB544C8}"/>
               </a:ext>
             </a:extLst>
           </p:cNvPr>
@@ -2715,7 +2715,7 @@
           <a:bodyPr/>
           <a:lstStyle/>
           <a:p>
-            <a:fld id="{E77ADFFE-19D7-46D0-AB82-693CB95DD679}" type="slidenum">
+            <a:fld id="{2FFB35D0-1995-480F-B5F7-E21330FD6C26}" type="slidenum">
               <a:rPr lang="zh-CN" altLang="en-US" smtClean="0"/>
               <a:t>‹#›</a:t>
             </a:fld>
@@ -2726,7 +2726,7 @@
     </p:spTree>
     <p:extLst>
       <p:ext uri="{BB962C8B-B14F-4D97-AF65-F5344CB8AC3E}">
-        <p14:creationId xmlns:p14="http://schemas.microsoft.com/office/powerpoint/2010/main" val="3453497021"/>
+        <p14:creationId xmlns:p14="http://schemas.microsoft.com/office/powerpoint/2010/main" val="123330625"/>
       </p:ext>
     </p:extLst>
   </p:cSld>
@@ -2763,7 +2763,7 @@
           <p:cNvPr id="2" name="标题占位符 1">
             <a:extLst>
               <a:ext uri="{FF2B5EF4-FFF2-40B4-BE49-F238E27FC236}">
-                <a16:creationId xmlns:a16="http://schemas.microsoft.com/office/drawing/2014/main" id="{A81618CC-B168-9423-3236-736D30307FC4}"/>
+                <a16:creationId xmlns:a16="http://schemas.microsoft.com/office/drawing/2014/main" id="{FF9D969B-C20B-061A-E2BA-AF7EB9FCF91E}"/>
               </a:ext>
             </a:extLst>
           </p:cNvPr>
@@ -2801,7 +2801,7 @@
           <p:cNvPr id="3" name="文本占位符 2">
             <a:extLst>
               <a:ext uri="{FF2B5EF4-FFF2-40B4-BE49-F238E27FC236}">
-                <a16:creationId xmlns:a16="http://schemas.microsoft.com/office/drawing/2014/main" id="{CF011D80-85C6-559D-54E6-CF123E5D4F2F}"/>
+                <a16:creationId xmlns:a16="http://schemas.microsoft.com/office/drawing/2014/main" id="{D45FD4E3-07AE-B989-49E6-2968F7C94FD0}"/>
               </a:ext>
             </a:extLst>
           </p:cNvPr>
@@ -2868,7 +2868,7 @@
           <p:cNvPr id="4" name="日期占位符 3">
             <a:extLst>
               <a:ext uri="{FF2B5EF4-FFF2-40B4-BE49-F238E27FC236}">
-                <a16:creationId xmlns:a16="http://schemas.microsoft.com/office/drawing/2014/main" id="{34E8F1C8-B3A6-53DF-F2C1-115EC61F9C91}"/>
+                <a16:creationId xmlns:a16="http://schemas.microsoft.com/office/drawing/2014/main" id="{25D20715-5DC2-60F8-26DE-D4439C4C9A7A}"/>
               </a:ext>
             </a:extLst>
           </p:cNvPr>
@@ -2902,7 +2902,7 @@
             </a:lvl1pPr>
           </a:lstStyle>
           <a:p>
-            <a:fld id="{DCFBAFF2-88C8-4A3D-8E6E-46CC9DD64584}" type="datetimeFigureOut">
+            <a:fld id="{D5694452-F9C1-4946-AC8C-716266932369}" type="datetimeFigureOut">
               <a:rPr lang="zh-CN" altLang="en-US" smtClean="0"/>
               <a:t>2024/3/10</a:t>
             </a:fld>
@@ -2915,7 +2915,7 @@
           <p:cNvPr id="5" name="页脚占位符 4">
             <a:extLst>
               <a:ext uri="{FF2B5EF4-FFF2-40B4-BE49-F238E27FC236}">
-                <a16:creationId xmlns:a16="http://schemas.microsoft.com/office/drawing/2014/main" id="{402929AB-021B-639E-DD34-0BD8658C8A8E}"/>
+                <a16:creationId xmlns:a16="http://schemas.microsoft.com/office/drawing/2014/main" id="{EB9F8DC3-0C1F-FF80-674C-5633AB6FA368}"/>
               </a:ext>
             </a:extLst>
           </p:cNvPr>
@@ -2958,7 +2958,7 @@
           <p:cNvPr id="6" name="灯片编号占位符 5">
             <a:extLst>
               <a:ext uri="{FF2B5EF4-FFF2-40B4-BE49-F238E27FC236}">
-                <a16:creationId xmlns:a16="http://schemas.microsoft.com/office/drawing/2014/main" id="{E514B87F-DB0C-394C-D854-0D27767EF607}"/>
+                <a16:creationId xmlns:a16="http://schemas.microsoft.com/office/drawing/2014/main" id="{C7D8EBC9-854F-9208-863C-D31AAF2AEB70}"/>
               </a:ext>
             </a:extLst>
           </p:cNvPr>
@@ -2992,7 +2992,7 @@
             </a:lvl1pPr>
           </a:lstStyle>
           <a:p>
-            <a:fld id="{E77ADFFE-19D7-46D0-AB82-693CB95DD679}" type="slidenum">
+            <a:fld id="{2FFB35D0-1995-480F-B5F7-E21330FD6C26}" type="slidenum">
               <a:rPr lang="zh-CN" altLang="en-US" smtClean="0"/>
               <a:t>‹#›</a:t>
             </a:fld>
@@ -3003,7 +3003,7 @@
     </p:spTree>
     <p:extLst>
       <p:ext uri="{BB962C8B-B14F-4D97-AF65-F5344CB8AC3E}">
-        <p14:creationId xmlns:p14="http://schemas.microsoft.com/office/powerpoint/2010/main" val="1280663294"/>
+        <p14:creationId xmlns:p14="http://schemas.microsoft.com/office/powerpoint/2010/main" val="434012655"/>
       </p:ext>
     </p:extLst>
   </p:cSld>
